--- a/Architecture/DomainModel.pptx
+++ b/Architecture/DomainModel.pptx
@@ -104,6 +104,11 @@
       </a:defRPr>
     </a:lvl9pPr>
   </p:defaultTextStyle>
+  <p:extLst>
+    <p:ext uri="{EFAFB233-063F-42B5-8137-9DF3F51BA10A}">
+      <p15:sldGuideLst xmlns:p15="http://schemas.microsoft.com/office/powerpoint/2012/main"/>
+    </p:ext>
+  </p:extLst>
 </p:presentation>
 </file>
 
@@ -254,7 +259,7 @@
           <a:p>
             <a:fld id="{12D61EF8-4D36-5549-947A-E95B2823F9F6}" type="datetimeFigureOut">
               <a:rPr lang="en-US" smtClean="0"/>
-              <a:t>4/16/20</a:t>
+              <a:t>4/24/20</a:t>
             </a:fld>
             <a:endParaRPr lang="en-US"/>
           </a:p>
@@ -452,7 +457,7 @@
           <a:p>
             <a:fld id="{12D61EF8-4D36-5549-947A-E95B2823F9F6}" type="datetimeFigureOut">
               <a:rPr lang="en-US" smtClean="0"/>
-              <a:t>4/16/20</a:t>
+              <a:t>4/24/20</a:t>
             </a:fld>
             <a:endParaRPr lang="en-US"/>
           </a:p>
@@ -660,7 +665,7 @@
           <a:p>
             <a:fld id="{12D61EF8-4D36-5549-947A-E95B2823F9F6}" type="datetimeFigureOut">
               <a:rPr lang="en-US" smtClean="0"/>
-              <a:t>4/16/20</a:t>
+              <a:t>4/24/20</a:t>
             </a:fld>
             <a:endParaRPr lang="en-US"/>
           </a:p>
@@ -858,7 +863,7 @@
           <a:p>
             <a:fld id="{12D61EF8-4D36-5549-947A-E95B2823F9F6}" type="datetimeFigureOut">
               <a:rPr lang="en-US" smtClean="0"/>
-              <a:t>4/16/20</a:t>
+              <a:t>4/24/20</a:t>
             </a:fld>
             <a:endParaRPr lang="en-US"/>
           </a:p>
@@ -1133,7 +1138,7 @@
           <a:p>
             <a:fld id="{12D61EF8-4D36-5549-947A-E95B2823F9F6}" type="datetimeFigureOut">
               <a:rPr lang="en-US" smtClean="0"/>
-              <a:t>4/16/20</a:t>
+              <a:t>4/24/20</a:t>
             </a:fld>
             <a:endParaRPr lang="en-US"/>
           </a:p>
@@ -1398,7 +1403,7 @@
           <a:p>
             <a:fld id="{12D61EF8-4D36-5549-947A-E95B2823F9F6}" type="datetimeFigureOut">
               <a:rPr lang="en-US" smtClean="0"/>
-              <a:t>4/16/20</a:t>
+              <a:t>4/24/20</a:t>
             </a:fld>
             <a:endParaRPr lang="en-US"/>
           </a:p>
@@ -1810,7 +1815,7 @@
           <a:p>
             <a:fld id="{12D61EF8-4D36-5549-947A-E95B2823F9F6}" type="datetimeFigureOut">
               <a:rPr lang="en-US" smtClean="0"/>
-              <a:t>4/16/20</a:t>
+              <a:t>4/24/20</a:t>
             </a:fld>
             <a:endParaRPr lang="en-US"/>
           </a:p>
@@ -1951,7 +1956,7 @@
           <a:p>
             <a:fld id="{12D61EF8-4D36-5549-947A-E95B2823F9F6}" type="datetimeFigureOut">
               <a:rPr lang="en-US" smtClean="0"/>
-              <a:t>4/16/20</a:t>
+              <a:t>4/24/20</a:t>
             </a:fld>
             <a:endParaRPr lang="en-US"/>
           </a:p>
@@ -2064,7 +2069,7 @@
           <a:p>
             <a:fld id="{12D61EF8-4D36-5549-947A-E95B2823F9F6}" type="datetimeFigureOut">
               <a:rPr lang="en-US" smtClean="0"/>
-              <a:t>4/16/20</a:t>
+              <a:t>4/24/20</a:t>
             </a:fld>
             <a:endParaRPr lang="en-US"/>
           </a:p>
@@ -2375,7 +2380,7 @@
           <a:p>
             <a:fld id="{12D61EF8-4D36-5549-947A-E95B2823F9F6}" type="datetimeFigureOut">
               <a:rPr lang="en-US" smtClean="0"/>
-              <a:t>4/16/20</a:t>
+              <a:t>4/24/20</a:t>
             </a:fld>
             <a:endParaRPr lang="en-US"/>
           </a:p>
@@ -2663,7 +2668,7 @@
           <a:p>
             <a:fld id="{12D61EF8-4D36-5549-947A-E95B2823F9F6}" type="datetimeFigureOut">
               <a:rPr lang="en-US" smtClean="0"/>
-              <a:t>4/16/20</a:t>
+              <a:t>4/24/20</a:t>
             </a:fld>
             <a:endParaRPr lang="en-US"/>
           </a:p>
@@ -2904,7 +2909,7 @@
           <a:p>
             <a:fld id="{12D61EF8-4D36-5549-947A-E95B2823F9F6}" type="datetimeFigureOut">
               <a:rPr lang="en-US" smtClean="0"/>
-              <a:t>4/16/20</a:t>
+              <a:t>4/24/20</a:t>
             </a:fld>
             <a:endParaRPr lang="en-US"/>
           </a:p>
@@ -4007,8 +4012,8 @@
         </p:nvGrpSpPr>
         <p:grpSpPr>
           <a:xfrm>
-            <a:off x="8224920" y="1913905"/>
-            <a:ext cx="1957228" cy="3500575"/>
+            <a:off x="8224919" y="1913905"/>
+            <a:ext cx="3652007" cy="3500575"/>
             <a:chOff x="8224920" y="1913905"/>
             <a:chExt cx="1957228" cy="3500575"/>
           </a:xfrm>
@@ -4168,6 +4173,21 @@
                 </a:solidFill>
               </a:endParaRPr>
             </a:p>
+            <a:p>
+              <a:r>
+                <a:rPr lang="en-US" dirty="0" err="1">
+                  <a:solidFill>
+                    <a:schemeClr val="tx1"/>
+                  </a:solidFill>
+                </a:rPr>
+                <a:t>completed:boolean</a:t>
+              </a:r>
+              <a:endParaRPr lang="en-US" dirty="0">
+                <a:solidFill>
+                  <a:schemeClr val="tx1"/>
+                </a:solidFill>
+              </a:endParaRPr>
+            </a:p>
           </p:txBody>
         </p:sp>
         <p:sp>
@@ -4246,7 +4266,7 @@
         <p:spPr>
           <a:xfrm flipV="1">
             <a:off x="7213670" y="2371105"/>
-            <a:ext cx="1011250" cy="1"/>
+            <a:ext cx="1011249" cy="1"/>
           </a:xfrm>
           <a:prstGeom prst="straightConnector1">
             <a:avLst/>
@@ -4270,6 +4290,50 @@
           </a:fontRef>
         </p:style>
       </p:cxnSp>
+      <p:sp>
+        <p:nvSpPr>
+          <p:cNvPr id="3" name="TextBox 2">
+            <a:extLst>
+              <a:ext uri="{FF2B5EF4-FFF2-40B4-BE49-F238E27FC236}">
+                <a16:creationId xmlns:a16="http://schemas.microsoft.com/office/drawing/2014/main" id="{1432C1AF-CA00-944F-8759-F9723845C85C}"/>
+              </a:ext>
+            </a:extLst>
+          </p:cNvPr>
+          <p:cNvSpPr txBox="1"/>
+          <p:nvPr/>
+        </p:nvSpPr>
+        <p:spPr>
+          <a:xfrm>
+            <a:off x="8240788" y="4167462"/>
+            <a:ext cx="2327368" cy="369332"/>
+          </a:xfrm>
+          <a:prstGeom prst="rect">
+            <a:avLst/>
+          </a:prstGeom>
+          <a:noFill/>
+        </p:spPr>
+        <p:txBody>
+          <a:bodyPr wrap="none" rtlCol="0">
+            <a:spAutoFit/>
+          </a:bodyPr>
+          <a:lstStyle/>
+          <a:p>
+            <a:r>
+              <a:rPr lang="en-US" dirty="0" err="1"/>
+              <a:t>isCompleted</a:t>
+            </a:r>
+            <a:r>
+              <a:rPr lang="en-US" dirty="0"/>
+              <a:t>():</a:t>
+            </a:r>
+            <a:r>
+              <a:rPr lang="en-US" dirty="0" err="1"/>
+              <a:t>boolean</a:t>
+            </a:r>
+            <a:endParaRPr lang="en-US" dirty="0"/>
+          </a:p>
+        </p:txBody>
+      </p:sp>
     </p:spTree>
     <p:extLst>
       <p:ext uri="{BB962C8B-B14F-4D97-AF65-F5344CB8AC3E}">

--- a/Architecture/DomainModel.pptx
+++ b/Architecture/DomainModel.pptx
@@ -3802,7 +3802,22 @@
                     <a:schemeClr val="tx1"/>
                   </a:solidFill>
                 </a:rPr>
-                <a:t>id:string</a:t>
+                <a:t>id:long</a:t>
+              </a:r>
+              <a:endParaRPr lang="en-US" dirty="0">
+                <a:solidFill>
+                  <a:schemeClr val="tx1"/>
+                </a:solidFill>
+              </a:endParaRPr>
+            </a:p>
+            <a:p>
+              <a:r>
+                <a:rPr lang="en-US" dirty="0" err="1">
+                  <a:solidFill>
+                    <a:schemeClr val="tx1"/>
+                  </a:solidFill>
+                </a:rPr>
+                <a:t>Items:list</a:t>
               </a:r>
               <a:endParaRPr lang="en-US" dirty="0">
                 <a:solidFill>
@@ -3861,12 +3876,20 @@
             <a:p>
               <a:pPr algn="ctr"/>
               <a:r>
+                <a:rPr lang="en-US" sz="1400" dirty="0" err="1">
+                  <a:solidFill>
+                    <a:schemeClr val="tx1"/>
+                  </a:solidFill>
+                </a:rPr>
+                <a:t>createItem</a:t>
+              </a:r>
+              <a:r>
                 <a:rPr lang="en-US" sz="1400" dirty="0">
                   <a:solidFill>
                     <a:schemeClr val="tx1"/>
                   </a:solidFill>
                 </a:rPr>
-                <a:t>create(</a:t>
+                <a:t>(</a:t>
               </a:r>
               <a:r>
                 <a:rPr lang="en-US" sz="1400" dirty="0" err="1">
@@ -3874,7 +3897,7 @@
                     <a:schemeClr val="tx1"/>
                   </a:solidFill>
                 </a:rPr>
-                <a:t>item:ListItem</a:t>
+                <a:t>description:String</a:t>
               </a:r>
               <a:r>
                 <a:rPr lang="en-US" sz="1400" dirty="0">
@@ -4012,7 +4035,7 @@
         </p:nvGrpSpPr>
         <p:grpSpPr>
           <a:xfrm>
-            <a:off x="8224919" y="1913905"/>
+            <a:off x="8240788" y="1913906"/>
             <a:ext cx="3652007" cy="3500575"/>
             <a:chOff x="8224920" y="1913905"/>
             <a:chExt cx="1957228" cy="3500575"/>
@@ -4165,7 +4188,7 @@
                     <a:schemeClr val="tx1"/>
                   </a:solidFill>
                 </a:rPr>
-                <a:t>id:string</a:t>
+                <a:t>id:long</a:t>
               </a:r>
               <a:endParaRPr lang="en-US" dirty="0">
                 <a:solidFill>
@@ -4264,9 +4287,9 @@
           <p:nvPr/>
         </p:nvCxnSpPr>
         <p:spPr>
-          <a:xfrm flipV="1">
-            <a:off x="7213670" y="2371105"/>
-            <a:ext cx="1011249" cy="1"/>
+          <a:xfrm>
+            <a:off x="7213670" y="2371106"/>
+            <a:ext cx="1027118" cy="0"/>
           </a:xfrm>
           <a:prstGeom prst="straightConnector1">
             <a:avLst/>
